--- a/examples/utqiavik/data/labels/labels.pptx
+++ b/examples/utqiavik/data/labels/labels.pptx
@@ -8149,7 +8149,7 @@
         </p:nvSpPr>
         <p:spPr>
           <a:xfrm>
-            <a:off x="5553063" y="240837"/>
+            <a:off x="5641553" y="152344"/>
             <a:ext cx="336550" cy="261610"/>
           </a:xfrm>
           <a:prstGeom prst="rect">
@@ -10730,7 +10730,7 @@
                   <a:srgbClr val="C00000"/>
                 </a:solidFill>
               </a:rPr>
-              <a:t>163</a:t>
+              <a:t>179</a:t>
             </a:r>
           </a:p>
         </p:txBody>

--- a/examples/utqiavik/data/labels/labels.pptx
+++ b/examples/utqiavik/data/labels/labels.pptx
@@ -7967,7 +7967,7 @@
         </p:blipFill>
         <p:spPr>
           <a:xfrm>
-            <a:off x="-1112" y="225972"/>
+            <a:off x="26388" y="230089"/>
             <a:ext cx="12193112" cy="6406055"/>
           </a:xfrm>
           <a:prstGeom prst="rect">

--- a/examples/utqiavik/data/labels/labels.pptx
+++ b/examples/utqiavik/data/labels/labels.pptx
@@ -9,6 +9,7 @@
     <p:sldId id="257" r:id="rId3"/>
     <p:sldId id="258" r:id="rId4"/>
     <p:sldId id="259" r:id="rId5"/>
+    <p:sldId id="260" r:id="rId6"/>
   </p:sldIdLst>
   <p:sldSz cx="12192000" cy="6858000"/>
   <p:notesSz cx="6858000" cy="9144000"/>
@@ -7967,7 +7968,7 @@
         </p:blipFill>
         <p:spPr>
           <a:xfrm>
-            <a:off x="26388" y="230089"/>
+            <a:off x="-1112" y="235672"/>
             <a:ext cx="12193112" cy="6406055"/>
           </a:xfrm>
           <a:prstGeom prst="rect">
@@ -9589,7 +9590,7 @@
         </p:nvSpPr>
         <p:spPr>
           <a:xfrm>
-            <a:off x="5319408" y="2215918"/>
+            <a:off x="5441789" y="2171116"/>
             <a:ext cx="441287" cy="261610"/>
           </a:xfrm>
           <a:prstGeom prst="rect">
@@ -11379,6 +11380,1185 @@
     <p:extLst>
       <p:ext uri="{BB962C8B-B14F-4D97-AF65-F5344CB8AC3E}">
         <p14:creationId xmlns:p14="http://schemas.microsoft.com/office/powerpoint/2010/main" val="2276072457"/>
+      </p:ext>
+    </p:extLst>
+  </p:cSld>
+  <p:clrMapOvr>
+    <a:masterClrMapping/>
+  </p:clrMapOvr>
+</p:sld>
+</file>
+
+<file path=ppt/slides/slide5.xml><?xml version="1.0" encoding="utf-8"?>
+<p:sld xmlns:a="http://schemas.openxmlformats.org/drawingml/2006/main" xmlns:r="http://schemas.openxmlformats.org/officeDocument/2006/relationships" xmlns:p="http://schemas.openxmlformats.org/presentationml/2006/main">
+  <p:cSld>
+    <p:spTree>
+      <p:nvGrpSpPr>
+        <p:cNvPr id="1" name=""/>
+        <p:cNvGrpSpPr/>
+        <p:nvPr/>
+      </p:nvGrpSpPr>
+      <p:grpSpPr>
+        <a:xfrm>
+          <a:off x="0" y="0"/>
+          <a:ext cx="0" cy="0"/>
+          <a:chOff x="0" y="0"/>
+          <a:chExt cx="0" cy="0"/>
+        </a:xfrm>
+      </p:grpSpPr>
+      <p:pic>
+        <p:nvPicPr>
+          <p:cNvPr id="5" name="Picture 4">
+            <a:extLst>
+              <a:ext uri="{FF2B5EF4-FFF2-40B4-BE49-F238E27FC236}">
+                <a16:creationId xmlns:a16="http://schemas.microsoft.com/office/drawing/2014/main" id="{A2BD8241-A077-C183-13DF-606322A8ACDC}"/>
+              </a:ext>
+            </a:extLst>
+          </p:cNvPr>
+          <p:cNvPicPr>
+            <a:picLocks noChangeAspect="1"/>
+          </p:cNvPicPr>
+          <p:nvPr/>
+        </p:nvPicPr>
+        <p:blipFill rotWithShape="1">
+          <a:blip r:embed="rId2"/>
+          <a:srcRect t="15842"/>
+          <a:stretch/>
+        </p:blipFill>
+        <p:spPr>
+          <a:xfrm>
+            <a:off x="0" y="222554"/>
+            <a:ext cx="12192000" cy="6412892"/>
+          </a:xfrm>
+          <a:prstGeom prst="rect">
+            <a:avLst/>
+          </a:prstGeom>
+        </p:spPr>
+      </p:pic>
+      <p:sp>
+        <p:nvSpPr>
+          <p:cNvPr id="6" name="TextBox 5">
+            <a:extLst>
+              <a:ext uri="{FF2B5EF4-FFF2-40B4-BE49-F238E27FC236}">
+                <a16:creationId xmlns:a16="http://schemas.microsoft.com/office/drawing/2014/main" id="{2224C506-FDF4-2DBF-833F-CC0369622EA4}"/>
+              </a:ext>
+            </a:extLst>
+          </p:cNvPr>
+          <p:cNvSpPr txBox="1"/>
+          <p:nvPr/>
+        </p:nvSpPr>
+        <p:spPr>
+          <a:xfrm>
+            <a:off x="2646342" y="4686101"/>
+            <a:ext cx="441287" cy="261610"/>
+          </a:xfrm>
+          <a:prstGeom prst="rect">
+            <a:avLst/>
+          </a:prstGeom>
+          <a:noFill/>
+        </p:spPr>
+        <p:txBody>
+          <a:bodyPr wrap="square" rtlCol="0">
+            <a:spAutoFit/>
+          </a:bodyPr>
+          <a:lstStyle/>
+          <a:p>
+            <a:pPr algn="ctr"/>
+            <a:r>
+              <a:rPr lang="en-US" sz="1100" dirty="0">
+                <a:solidFill>
+                  <a:srgbClr val="C00000"/>
+                </a:solidFill>
+              </a:rPr>
+              <a:t>180</a:t>
+            </a:r>
+          </a:p>
+        </p:txBody>
+      </p:sp>
+      <p:sp>
+        <p:nvSpPr>
+          <p:cNvPr id="7" name="TextBox 6">
+            <a:extLst>
+              <a:ext uri="{FF2B5EF4-FFF2-40B4-BE49-F238E27FC236}">
+                <a16:creationId xmlns:a16="http://schemas.microsoft.com/office/drawing/2014/main" id="{EC9ABED2-39F7-A7EB-62BA-3B8A1B93CE32}"/>
+              </a:ext>
+            </a:extLst>
+          </p:cNvPr>
+          <p:cNvSpPr txBox="1"/>
+          <p:nvPr/>
+        </p:nvSpPr>
+        <p:spPr>
+          <a:xfrm>
+            <a:off x="3668172" y="3564337"/>
+            <a:ext cx="441287" cy="261610"/>
+          </a:xfrm>
+          <a:prstGeom prst="rect">
+            <a:avLst/>
+          </a:prstGeom>
+          <a:noFill/>
+        </p:spPr>
+        <p:txBody>
+          <a:bodyPr wrap="square" rtlCol="0">
+            <a:spAutoFit/>
+          </a:bodyPr>
+          <a:lstStyle/>
+          <a:p>
+            <a:pPr algn="ctr"/>
+            <a:r>
+              <a:rPr lang="en-US" sz="1100" dirty="0">
+                <a:solidFill>
+                  <a:srgbClr val="C00000"/>
+                </a:solidFill>
+              </a:rPr>
+              <a:t>181</a:t>
+            </a:r>
+          </a:p>
+        </p:txBody>
+      </p:sp>
+      <p:sp>
+        <p:nvSpPr>
+          <p:cNvPr id="8" name="TextBox 7">
+            <a:extLst>
+              <a:ext uri="{FF2B5EF4-FFF2-40B4-BE49-F238E27FC236}">
+                <a16:creationId xmlns:a16="http://schemas.microsoft.com/office/drawing/2014/main" id="{D0BD2A52-C5F8-7115-9F4F-3DE2E4CD51C5}"/>
+              </a:ext>
+            </a:extLst>
+          </p:cNvPr>
+          <p:cNvSpPr txBox="1"/>
+          <p:nvPr/>
+        </p:nvSpPr>
+        <p:spPr>
+          <a:xfrm>
+            <a:off x="4255286" y="2997209"/>
+            <a:ext cx="441287" cy="261610"/>
+          </a:xfrm>
+          <a:prstGeom prst="rect">
+            <a:avLst/>
+          </a:prstGeom>
+          <a:noFill/>
+        </p:spPr>
+        <p:txBody>
+          <a:bodyPr wrap="square" rtlCol="0">
+            <a:spAutoFit/>
+          </a:bodyPr>
+          <a:lstStyle/>
+          <a:p>
+            <a:pPr algn="ctr"/>
+            <a:r>
+              <a:rPr lang="en-US" sz="1100" dirty="0">
+                <a:solidFill>
+                  <a:srgbClr val="C00000"/>
+                </a:solidFill>
+              </a:rPr>
+              <a:t>182</a:t>
+            </a:r>
+          </a:p>
+        </p:txBody>
+      </p:sp>
+      <p:sp>
+        <p:nvSpPr>
+          <p:cNvPr id="9" name="TextBox 8">
+            <a:extLst>
+              <a:ext uri="{FF2B5EF4-FFF2-40B4-BE49-F238E27FC236}">
+                <a16:creationId xmlns:a16="http://schemas.microsoft.com/office/drawing/2014/main" id="{05DF45F4-4B95-FC6C-EF43-3C817EB4FF73}"/>
+              </a:ext>
+            </a:extLst>
+          </p:cNvPr>
+          <p:cNvSpPr txBox="1"/>
+          <p:nvPr/>
+        </p:nvSpPr>
+        <p:spPr>
+          <a:xfrm>
+            <a:off x="4812420" y="2564992"/>
+            <a:ext cx="441287" cy="261610"/>
+          </a:xfrm>
+          <a:prstGeom prst="rect">
+            <a:avLst/>
+          </a:prstGeom>
+          <a:noFill/>
+        </p:spPr>
+        <p:txBody>
+          <a:bodyPr wrap="square" rtlCol="0">
+            <a:spAutoFit/>
+          </a:bodyPr>
+          <a:lstStyle/>
+          <a:p>
+            <a:pPr algn="ctr"/>
+            <a:r>
+              <a:rPr lang="en-US" sz="1100" dirty="0">
+                <a:solidFill>
+                  <a:srgbClr val="C00000"/>
+                </a:solidFill>
+              </a:rPr>
+              <a:t>183</a:t>
+            </a:r>
+          </a:p>
+        </p:txBody>
+      </p:sp>
+      <p:sp>
+        <p:nvSpPr>
+          <p:cNvPr id="10" name="TextBox 9">
+            <a:extLst>
+              <a:ext uri="{FF2B5EF4-FFF2-40B4-BE49-F238E27FC236}">
+                <a16:creationId xmlns:a16="http://schemas.microsoft.com/office/drawing/2014/main" id="{2A3C7002-F393-B8A0-270A-0D00188DF736}"/>
+              </a:ext>
+            </a:extLst>
+          </p:cNvPr>
+          <p:cNvSpPr txBox="1"/>
+          <p:nvPr/>
+        </p:nvSpPr>
+        <p:spPr>
+          <a:xfrm>
+            <a:off x="5785416" y="1758022"/>
+            <a:ext cx="441287" cy="261610"/>
+          </a:xfrm>
+          <a:prstGeom prst="rect">
+            <a:avLst/>
+          </a:prstGeom>
+          <a:noFill/>
+        </p:spPr>
+        <p:txBody>
+          <a:bodyPr wrap="square" rtlCol="0">
+            <a:spAutoFit/>
+          </a:bodyPr>
+          <a:lstStyle/>
+          <a:p>
+            <a:pPr algn="ctr"/>
+            <a:r>
+              <a:rPr lang="en-US" sz="1100" dirty="0">
+                <a:solidFill>
+                  <a:srgbClr val="C00000"/>
+                </a:solidFill>
+              </a:rPr>
+              <a:t>184</a:t>
+            </a:r>
+          </a:p>
+        </p:txBody>
+      </p:sp>
+      <p:sp>
+        <p:nvSpPr>
+          <p:cNvPr id="11" name="TextBox 10">
+            <a:extLst>
+              <a:ext uri="{FF2B5EF4-FFF2-40B4-BE49-F238E27FC236}">
+                <a16:creationId xmlns:a16="http://schemas.microsoft.com/office/drawing/2014/main" id="{9A70486B-C69B-CCB0-C1DA-DC6C9CCF232F}"/>
+              </a:ext>
+            </a:extLst>
+          </p:cNvPr>
+          <p:cNvSpPr txBox="1"/>
+          <p:nvPr/>
+        </p:nvSpPr>
+        <p:spPr>
+          <a:xfrm>
+            <a:off x="7766616" y="222554"/>
+            <a:ext cx="441287" cy="261610"/>
+          </a:xfrm>
+          <a:prstGeom prst="rect">
+            <a:avLst/>
+          </a:prstGeom>
+          <a:noFill/>
+        </p:spPr>
+        <p:txBody>
+          <a:bodyPr wrap="square" rtlCol="0">
+            <a:spAutoFit/>
+          </a:bodyPr>
+          <a:lstStyle/>
+          <a:p>
+            <a:pPr algn="ctr"/>
+            <a:r>
+              <a:rPr lang="en-US" sz="1100" dirty="0">
+                <a:solidFill>
+                  <a:srgbClr val="C00000"/>
+                </a:solidFill>
+              </a:rPr>
+              <a:t>185</a:t>
+            </a:r>
+          </a:p>
+        </p:txBody>
+      </p:sp>
+      <p:sp>
+        <p:nvSpPr>
+          <p:cNvPr id="12" name="TextBox 11">
+            <a:extLst>
+              <a:ext uri="{FF2B5EF4-FFF2-40B4-BE49-F238E27FC236}">
+                <a16:creationId xmlns:a16="http://schemas.microsoft.com/office/drawing/2014/main" id="{F116A57C-128F-8498-CAC9-2085AB5F134A}"/>
+              </a:ext>
+            </a:extLst>
+          </p:cNvPr>
+          <p:cNvSpPr txBox="1"/>
+          <p:nvPr/>
+        </p:nvSpPr>
+        <p:spPr>
+          <a:xfrm>
+            <a:off x="7987259" y="644777"/>
+            <a:ext cx="441287" cy="261610"/>
+          </a:xfrm>
+          <a:prstGeom prst="rect">
+            <a:avLst/>
+          </a:prstGeom>
+          <a:noFill/>
+        </p:spPr>
+        <p:txBody>
+          <a:bodyPr wrap="square" rtlCol="0">
+            <a:spAutoFit/>
+          </a:bodyPr>
+          <a:lstStyle/>
+          <a:p>
+            <a:pPr algn="ctr"/>
+            <a:r>
+              <a:rPr lang="en-US" sz="1100" dirty="0">
+                <a:solidFill>
+                  <a:srgbClr val="C00000"/>
+                </a:solidFill>
+              </a:rPr>
+              <a:t>186</a:t>
+            </a:r>
+          </a:p>
+        </p:txBody>
+      </p:sp>
+      <p:sp>
+        <p:nvSpPr>
+          <p:cNvPr id="13" name="TextBox 12">
+            <a:extLst>
+              <a:ext uri="{FF2B5EF4-FFF2-40B4-BE49-F238E27FC236}">
+                <a16:creationId xmlns:a16="http://schemas.microsoft.com/office/drawing/2014/main" id="{57DE1186-3742-10A1-81E7-8382C9CCA17D}"/>
+              </a:ext>
+            </a:extLst>
+          </p:cNvPr>
+          <p:cNvSpPr txBox="1"/>
+          <p:nvPr/>
+        </p:nvSpPr>
+        <p:spPr>
+          <a:xfrm>
+            <a:off x="7254452" y="1366803"/>
+            <a:ext cx="441287" cy="261610"/>
+          </a:xfrm>
+          <a:prstGeom prst="rect">
+            <a:avLst/>
+          </a:prstGeom>
+          <a:noFill/>
+        </p:spPr>
+        <p:txBody>
+          <a:bodyPr wrap="square" rtlCol="0">
+            <a:spAutoFit/>
+          </a:bodyPr>
+          <a:lstStyle/>
+          <a:p>
+            <a:pPr algn="ctr"/>
+            <a:r>
+              <a:rPr lang="en-US" sz="1100" dirty="0">
+                <a:solidFill>
+                  <a:srgbClr val="C00000"/>
+                </a:solidFill>
+              </a:rPr>
+              <a:t>187</a:t>
+            </a:r>
+          </a:p>
+        </p:txBody>
+      </p:sp>
+      <p:sp>
+        <p:nvSpPr>
+          <p:cNvPr id="14" name="TextBox 13">
+            <a:extLst>
+              <a:ext uri="{FF2B5EF4-FFF2-40B4-BE49-F238E27FC236}">
+                <a16:creationId xmlns:a16="http://schemas.microsoft.com/office/drawing/2014/main" id="{AFDCB938-FC6F-BBB0-073D-4BDAF7C2C220}"/>
+              </a:ext>
+            </a:extLst>
+          </p:cNvPr>
+          <p:cNvSpPr txBox="1"/>
+          <p:nvPr/>
+        </p:nvSpPr>
+        <p:spPr>
+          <a:xfrm>
+            <a:off x="6387521" y="2178771"/>
+            <a:ext cx="441287" cy="261610"/>
+          </a:xfrm>
+          <a:prstGeom prst="rect">
+            <a:avLst/>
+          </a:prstGeom>
+          <a:noFill/>
+        </p:spPr>
+        <p:txBody>
+          <a:bodyPr wrap="square" rtlCol="0">
+            <a:spAutoFit/>
+          </a:bodyPr>
+          <a:lstStyle/>
+          <a:p>
+            <a:pPr algn="ctr"/>
+            <a:r>
+              <a:rPr lang="en-US" sz="1100" dirty="0">
+                <a:solidFill>
+                  <a:srgbClr val="C00000"/>
+                </a:solidFill>
+              </a:rPr>
+              <a:t>188</a:t>
+            </a:r>
+          </a:p>
+        </p:txBody>
+      </p:sp>
+      <p:sp>
+        <p:nvSpPr>
+          <p:cNvPr id="15" name="TextBox 14">
+            <a:extLst>
+              <a:ext uri="{FF2B5EF4-FFF2-40B4-BE49-F238E27FC236}">
+                <a16:creationId xmlns:a16="http://schemas.microsoft.com/office/drawing/2014/main" id="{E361315C-498E-0C0C-754A-978E96E77F6A}"/>
+              </a:ext>
+            </a:extLst>
+          </p:cNvPr>
+          <p:cNvSpPr txBox="1"/>
+          <p:nvPr/>
+        </p:nvSpPr>
+        <p:spPr>
+          <a:xfrm>
+            <a:off x="5622582" y="2911374"/>
+            <a:ext cx="441287" cy="261610"/>
+          </a:xfrm>
+          <a:prstGeom prst="rect">
+            <a:avLst/>
+          </a:prstGeom>
+          <a:noFill/>
+        </p:spPr>
+        <p:txBody>
+          <a:bodyPr wrap="square" rtlCol="0">
+            <a:spAutoFit/>
+          </a:bodyPr>
+          <a:lstStyle/>
+          <a:p>
+            <a:pPr algn="ctr"/>
+            <a:r>
+              <a:rPr lang="en-US" sz="1100" dirty="0">
+                <a:solidFill>
+                  <a:srgbClr val="C00000"/>
+                </a:solidFill>
+              </a:rPr>
+              <a:t>189</a:t>
+            </a:r>
+          </a:p>
+        </p:txBody>
+      </p:sp>
+      <p:sp>
+        <p:nvSpPr>
+          <p:cNvPr id="16" name="TextBox 15">
+            <a:extLst>
+              <a:ext uri="{FF2B5EF4-FFF2-40B4-BE49-F238E27FC236}">
+                <a16:creationId xmlns:a16="http://schemas.microsoft.com/office/drawing/2014/main" id="{918B7D05-9624-E2C9-A067-F3A09C8B30C0}"/>
+              </a:ext>
+            </a:extLst>
+          </p:cNvPr>
+          <p:cNvSpPr txBox="1"/>
+          <p:nvPr/>
+        </p:nvSpPr>
+        <p:spPr>
+          <a:xfrm>
+            <a:off x="5341285" y="3167390"/>
+            <a:ext cx="441287" cy="261610"/>
+          </a:xfrm>
+          <a:prstGeom prst="rect">
+            <a:avLst/>
+          </a:prstGeom>
+          <a:noFill/>
+        </p:spPr>
+        <p:txBody>
+          <a:bodyPr wrap="square" rtlCol="0">
+            <a:spAutoFit/>
+          </a:bodyPr>
+          <a:lstStyle/>
+          <a:p>
+            <a:pPr algn="ctr"/>
+            <a:r>
+              <a:rPr lang="en-US" sz="1100" dirty="0">
+                <a:solidFill>
+                  <a:srgbClr val="C00000"/>
+                </a:solidFill>
+              </a:rPr>
+              <a:t>190</a:t>
+            </a:r>
+          </a:p>
+        </p:txBody>
+      </p:sp>
+      <p:sp>
+        <p:nvSpPr>
+          <p:cNvPr id="17" name="TextBox 16">
+            <a:extLst>
+              <a:ext uri="{FF2B5EF4-FFF2-40B4-BE49-F238E27FC236}">
+                <a16:creationId xmlns:a16="http://schemas.microsoft.com/office/drawing/2014/main" id="{43062F99-C40D-3F42-BCCD-AFF5A134D28B}"/>
+              </a:ext>
+            </a:extLst>
+          </p:cNvPr>
+          <p:cNvSpPr txBox="1"/>
+          <p:nvPr/>
+        </p:nvSpPr>
+        <p:spPr>
+          <a:xfrm>
+            <a:off x="4751537" y="3695142"/>
+            <a:ext cx="441287" cy="261610"/>
+          </a:xfrm>
+          <a:prstGeom prst="rect">
+            <a:avLst/>
+          </a:prstGeom>
+          <a:noFill/>
+        </p:spPr>
+        <p:txBody>
+          <a:bodyPr wrap="square" rtlCol="0">
+            <a:spAutoFit/>
+          </a:bodyPr>
+          <a:lstStyle/>
+          <a:p>
+            <a:pPr algn="ctr"/>
+            <a:r>
+              <a:rPr lang="en-US" sz="1100" dirty="0">
+                <a:solidFill>
+                  <a:srgbClr val="C00000"/>
+                </a:solidFill>
+              </a:rPr>
+              <a:t>191</a:t>
+            </a:r>
+          </a:p>
+        </p:txBody>
+      </p:sp>
+      <p:sp>
+        <p:nvSpPr>
+          <p:cNvPr id="18" name="TextBox 17">
+            <a:extLst>
+              <a:ext uri="{FF2B5EF4-FFF2-40B4-BE49-F238E27FC236}">
+                <a16:creationId xmlns:a16="http://schemas.microsoft.com/office/drawing/2014/main" id="{3639331B-FDF5-9E61-844B-F6E9AEA3B78C}"/>
+              </a:ext>
+            </a:extLst>
+          </p:cNvPr>
+          <p:cNvSpPr txBox="1"/>
+          <p:nvPr/>
+        </p:nvSpPr>
+        <p:spPr>
+          <a:xfrm>
+            <a:off x="4255286" y="4147345"/>
+            <a:ext cx="441287" cy="261610"/>
+          </a:xfrm>
+          <a:prstGeom prst="rect">
+            <a:avLst/>
+          </a:prstGeom>
+          <a:noFill/>
+        </p:spPr>
+        <p:txBody>
+          <a:bodyPr wrap="square" rtlCol="0">
+            <a:spAutoFit/>
+          </a:bodyPr>
+          <a:lstStyle/>
+          <a:p>
+            <a:pPr algn="ctr"/>
+            <a:r>
+              <a:rPr lang="en-US" sz="1100" dirty="0">
+                <a:solidFill>
+                  <a:srgbClr val="C00000"/>
+                </a:solidFill>
+              </a:rPr>
+              <a:t>192</a:t>
+            </a:r>
+          </a:p>
+        </p:txBody>
+      </p:sp>
+      <p:sp>
+        <p:nvSpPr>
+          <p:cNvPr id="19" name="TextBox 18">
+            <a:extLst>
+              <a:ext uri="{FF2B5EF4-FFF2-40B4-BE49-F238E27FC236}">
+                <a16:creationId xmlns:a16="http://schemas.microsoft.com/office/drawing/2014/main" id="{7076F71C-33A7-1E07-E62D-70EB72735603}"/>
+              </a:ext>
+            </a:extLst>
+          </p:cNvPr>
+          <p:cNvSpPr txBox="1"/>
+          <p:nvPr/>
+        </p:nvSpPr>
+        <p:spPr>
+          <a:xfrm>
+            <a:off x="3813999" y="4647602"/>
+            <a:ext cx="441287" cy="261610"/>
+          </a:xfrm>
+          <a:prstGeom prst="rect">
+            <a:avLst/>
+          </a:prstGeom>
+          <a:noFill/>
+        </p:spPr>
+        <p:txBody>
+          <a:bodyPr wrap="square" rtlCol="0">
+            <a:spAutoFit/>
+          </a:bodyPr>
+          <a:lstStyle/>
+          <a:p>
+            <a:pPr algn="ctr"/>
+            <a:r>
+              <a:rPr lang="en-US" sz="1100" dirty="0">
+                <a:solidFill>
+                  <a:srgbClr val="C00000"/>
+                </a:solidFill>
+              </a:rPr>
+              <a:t>193</a:t>
+            </a:r>
+          </a:p>
+        </p:txBody>
+      </p:sp>
+      <p:sp>
+        <p:nvSpPr>
+          <p:cNvPr id="20" name="TextBox 19">
+            <a:extLst>
+              <a:ext uri="{FF2B5EF4-FFF2-40B4-BE49-F238E27FC236}">
+                <a16:creationId xmlns:a16="http://schemas.microsoft.com/office/drawing/2014/main" id="{EAFF90B1-D4B0-0717-8E6C-EDD8B98EA193}"/>
+              </a:ext>
+            </a:extLst>
+          </p:cNvPr>
+          <p:cNvSpPr txBox="1"/>
+          <p:nvPr/>
+        </p:nvSpPr>
+        <p:spPr>
+          <a:xfrm>
+            <a:off x="3226885" y="5249707"/>
+            <a:ext cx="441287" cy="261610"/>
+          </a:xfrm>
+          <a:prstGeom prst="rect">
+            <a:avLst/>
+          </a:prstGeom>
+          <a:noFill/>
+        </p:spPr>
+        <p:txBody>
+          <a:bodyPr wrap="square" rtlCol="0">
+            <a:spAutoFit/>
+          </a:bodyPr>
+          <a:lstStyle/>
+          <a:p>
+            <a:pPr algn="ctr"/>
+            <a:r>
+              <a:rPr lang="en-US" sz="1100" dirty="0">
+                <a:solidFill>
+                  <a:srgbClr val="C00000"/>
+                </a:solidFill>
+              </a:rPr>
+              <a:t>194</a:t>
+            </a:r>
+          </a:p>
+        </p:txBody>
+      </p:sp>
+      <p:sp>
+        <p:nvSpPr>
+          <p:cNvPr id="21" name="TextBox 20">
+            <a:extLst>
+              <a:ext uri="{FF2B5EF4-FFF2-40B4-BE49-F238E27FC236}">
+                <a16:creationId xmlns:a16="http://schemas.microsoft.com/office/drawing/2014/main" id="{155B8B3F-F0D8-51B1-90E7-685BAC30F94D}"/>
+              </a:ext>
+            </a:extLst>
+          </p:cNvPr>
+          <p:cNvSpPr txBox="1"/>
+          <p:nvPr/>
+        </p:nvSpPr>
+        <p:spPr>
+          <a:xfrm>
+            <a:off x="2873482" y="4909212"/>
+            <a:ext cx="441287" cy="261610"/>
+          </a:xfrm>
+          <a:prstGeom prst="rect">
+            <a:avLst/>
+          </a:prstGeom>
+          <a:noFill/>
+        </p:spPr>
+        <p:txBody>
+          <a:bodyPr wrap="square" rtlCol="0">
+            <a:spAutoFit/>
+          </a:bodyPr>
+          <a:lstStyle/>
+          <a:p>
+            <a:pPr algn="ctr"/>
+            <a:r>
+              <a:rPr lang="en-US" sz="1100" dirty="0">
+                <a:solidFill>
+                  <a:srgbClr val="C00000"/>
+                </a:solidFill>
+              </a:rPr>
+              <a:t>195</a:t>
+            </a:r>
+          </a:p>
+        </p:txBody>
+      </p:sp>
+      <p:sp>
+        <p:nvSpPr>
+          <p:cNvPr id="22" name="TextBox 21">
+            <a:extLst>
+              <a:ext uri="{FF2B5EF4-FFF2-40B4-BE49-F238E27FC236}">
+                <a16:creationId xmlns:a16="http://schemas.microsoft.com/office/drawing/2014/main" id="{4D9CF427-768C-E470-20ED-19E5F2F15B60}"/>
+              </a:ext>
+            </a:extLst>
+          </p:cNvPr>
+          <p:cNvSpPr txBox="1"/>
+          <p:nvPr/>
+        </p:nvSpPr>
+        <p:spPr>
+          <a:xfrm>
+            <a:off x="3989211" y="3877933"/>
+            <a:ext cx="441287" cy="261610"/>
+          </a:xfrm>
+          <a:prstGeom prst="rect">
+            <a:avLst/>
+          </a:prstGeom>
+          <a:noFill/>
+        </p:spPr>
+        <p:txBody>
+          <a:bodyPr wrap="square" rtlCol="0">
+            <a:spAutoFit/>
+          </a:bodyPr>
+          <a:lstStyle/>
+          <a:p>
+            <a:pPr algn="ctr"/>
+            <a:r>
+              <a:rPr lang="en-US" sz="1100" dirty="0">
+                <a:solidFill>
+                  <a:srgbClr val="C00000"/>
+                </a:solidFill>
+              </a:rPr>
+              <a:t>196</a:t>
+            </a:r>
+          </a:p>
+        </p:txBody>
+      </p:sp>
+      <p:sp>
+        <p:nvSpPr>
+          <p:cNvPr id="23" name="TextBox 22">
+            <a:extLst>
+              <a:ext uri="{FF2B5EF4-FFF2-40B4-BE49-F238E27FC236}">
+                <a16:creationId xmlns:a16="http://schemas.microsoft.com/office/drawing/2014/main" id="{2F7846FC-6EAB-A646-780C-BC201E197925}"/>
+              </a:ext>
+            </a:extLst>
+          </p:cNvPr>
+          <p:cNvSpPr txBox="1"/>
+          <p:nvPr/>
+        </p:nvSpPr>
+        <p:spPr>
+          <a:xfrm>
+            <a:off x="3447528" y="5417271"/>
+            <a:ext cx="441287" cy="261610"/>
+          </a:xfrm>
+          <a:prstGeom prst="rect">
+            <a:avLst/>
+          </a:prstGeom>
+          <a:noFill/>
+        </p:spPr>
+        <p:txBody>
+          <a:bodyPr wrap="square" rtlCol="0">
+            <a:spAutoFit/>
+          </a:bodyPr>
+          <a:lstStyle/>
+          <a:p>
+            <a:pPr algn="ctr"/>
+            <a:r>
+              <a:rPr lang="en-US" sz="1100" dirty="0">
+                <a:solidFill>
+                  <a:srgbClr val="C00000"/>
+                </a:solidFill>
+              </a:rPr>
+              <a:t>197</a:t>
+            </a:r>
+          </a:p>
+        </p:txBody>
+      </p:sp>
+      <p:sp>
+        <p:nvSpPr>
+          <p:cNvPr id="24" name="TextBox 23">
+            <a:extLst>
+              <a:ext uri="{FF2B5EF4-FFF2-40B4-BE49-F238E27FC236}">
+                <a16:creationId xmlns:a16="http://schemas.microsoft.com/office/drawing/2014/main" id="{EFCAC3B3-11CA-F528-2FDC-11E4BA7740E7}"/>
+              </a:ext>
+            </a:extLst>
+          </p:cNvPr>
+          <p:cNvSpPr txBox="1"/>
+          <p:nvPr/>
+        </p:nvSpPr>
+        <p:spPr>
+          <a:xfrm>
+            <a:off x="4051920" y="4860373"/>
+            <a:ext cx="441287" cy="261610"/>
+          </a:xfrm>
+          <a:prstGeom prst="rect">
+            <a:avLst/>
+          </a:prstGeom>
+          <a:noFill/>
+        </p:spPr>
+        <p:txBody>
+          <a:bodyPr wrap="square" rtlCol="0">
+            <a:spAutoFit/>
+          </a:bodyPr>
+          <a:lstStyle/>
+          <a:p>
+            <a:pPr algn="ctr"/>
+            <a:r>
+              <a:rPr lang="en-US" sz="1100" dirty="0">
+                <a:solidFill>
+                  <a:srgbClr val="C00000"/>
+                </a:solidFill>
+              </a:rPr>
+              <a:t>198</a:t>
+            </a:r>
+          </a:p>
+        </p:txBody>
+      </p:sp>
+      <p:sp>
+        <p:nvSpPr>
+          <p:cNvPr id="25" name="TextBox 24">
+            <a:extLst>
+              <a:ext uri="{FF2B5EF4-FFF2-40B4-BE49-F238E27FC236}">
+                <a16:creationId xmlns:a16="http://schemas.microsoft.com/office/drawing/2014/main" id="{4CB333F9-D380-6AFA-103E-18F734074970}"/>
+              </a:ext>
+            </a:extLst>
+          </p:cNvPr>
+          <p:cNvSpPr txBox="1"/>
+          <p:nvPr/>
+        </p:nvSpPr>
+        <p:spPr>
+          <a:xfrm>
+            <a:off x="5390907" y="3594317"/>
+            <a:ext cx="441287" cy="261610"/>
+          </a:xfrm>
+          <a:prstGeom prst="rect">
+            <a:avLst/>
+          </a:prstGeom>
+          <a:noFill/>
+        </p:spPr>
+        <p:txBody>
+          <a:bodyPr wrap="square" rtlCol="0">
+            <a:spAutoFit/>
+          </a:bodyPr>
+          <a:lstStyle/>
+          <a:p>
+            <a:pPr algn="ctr"/>
+            <a:r>
+              <a:rPr lang="en-US" sz="1100" dirty="0">
+                <a:solidFill>
+                  <a:srgbClr val="C00000"/>
+                </a:solidFill>
+              </a:rPr>
+              <a:t>199</a:t>
+            </a:r>
+          </a:p>
+        </p:txBody>
+      </p:sp>
+      <p:sp>
+        <p:nvSpPr>
+          <p:cNvPr id="26" name="TextBox 25">
+            <a:extLst>
+              <a:ext uri="{FF2B5EF4-FFF2-40B4-BE49-F238E27FC236}">
+                <a16:creationId xmlns:a16="http://schemas.microsoft.com/office/drawing/2014/main" id="{DF31B665-2A95-66B9-AAB0-CFCA25FA3C0B}"/>
+              </a:ext>
+            </a:extLst>
+          </p:cNvPr>
+          <p:cNvSpPr txBox="1"/>
+          <p:nvPr/>
+        </p:nvSpPr>
+        <p:spPr>
+          <a:xfrm>
+            <a:off x="5872168" y="3132890"/>
+            <a:ext cx="441287" cy="261610"/>
+          </a:xfrm>
+          <a:prstGeom prst="rect">
+            <a:avLst/>
+          </a:prstGeom>
+          <a:noFill/>
+        </p:spPr>
+        <p:txBody>
+          <a:bodyPr wrap="square" rtlCol="0">
+            <a:spAutoFit/>
+          </a:bodyPr>
+          <a:lstStyle/>
+          <a:p>
+            <a:pPr algn="ctr"/>
+            <a:r>
+              <a:rPr lang="en-US" sz="1100" dirty="0">
+                <a:solidFill>
+                  <a:srgbClr val="C00000"/>
+                </a:solidFill>
+              </a:rPr>
+              <a:t>200</a:t>
+            </a:r>
+          </a:p>
+        </p:txBody>
+      </p:sp>
+      <p:sp>
+        <p:nvSpPr>
+          <p:cNvPr id="27" name="TextBox 26">
+            <a:extLst>
+              <a:ext uri="{FF2B5EF4-FFF2-40B4-BE49-F238E27FC236}">
+                <a16:creationId xmlns:a16="http://schemas.microsoft.com/office/drawing/2014/main" id="{28A57A20-38C5-C7F8-1B47-DBE64F8BA3D3}"/>
+              </a:ext>
+            </a:extLst>
+          </p:cNvPr>
+          <p:cNvSpPr txBox="1"/>
+          <p:nvPr/>
+        </p:nvSpPr>
+        <p:spPr>
+          <a:xfrm>
+            <a:off x="6638144" y="2449177"/>
+            <a:ext cx="441287" cy="261610"/>
+          </a:xfrm>
+          <a:prstGeom prst="rect">
+            <a:avLst/>
+          </a:prstGeom>
+          <a:noFill/>
+        </p:spPr>
+        <p:txBody>
+          <a:bodyPr wrap="square" rtlCol="0">
+            <a:spAutoFit/>
+          </a:bodyPr>
+          <a:lstStyle/>
+          <a:p>
+            <a:pPr algn="ctr"/>
+            <a:r>
+              <a:rPr lang="en-US" sz="1100" dirty="0">
+                <a:solidFill>
+                  <a:srgbClr val="C00000"/>
+                </a:solidFill>
+              </a:rPr>
+              <a:t>201</a:t>
+            </a:r>
+          </a:p>
+        </p:txBody>
+      </p:sp>
+      <p:sp>
+        <p:nvSpPr>
+          <p:cNvPr id="28" name="TextBox 27">
+            <a:extLst>
+              <a:ext uri="{FF2B5EF4-FFF2-40B4-BE49-F238E27FC236}">
+                <a16:creationId xmlns:a16="http://schemas.microsoft.com/office/drawing/2014/main" id="{150C3A41-ACF4-F1E1-920F-E5DB05F1C4B7}"/>
+              </a:ext>
+            </a:extLst>
+          </p:cNvPr>
+          <p:cNvSpPr txBox="1"/>
+          <p:nvPr/>
+        </p:nvSpPr>
+        <p:spPr>
+          <a:xfrm>
+            <a:off x="7650769" y="2080616"/>
+            <a:ext cx="441287" cy="261610"/>
+          </a:xfrm>
+          <a:prstGeom prst="rect">
+            <a:avLst/>
+          </a:prstGeom>
+          <a:noFill/>
+        </p:spPr>
+        <p:txBody>
+          <a:bodyPr wrap="square" rtlCol="0">
+            <a:spAutoFit/>
+          </a:bodyPr>
+          <a:lstStyle/>
+          <a:p>
+            <a:pPr algn="ctr"/>
+            <a:r>
+              <a:rPr lang="en-US" sz="1100" dirty="0">
+                <a:solidFill>
+                  <a:srgbClr val="C00000"/>
+                </a:solidFill>
+              </a:rPr>
+              <a:t>202</a:t>
+            </a:r>
+          </a:p>
+        </p:txBody>
+      </p:sp>
+      <p:sp>
+        <p:nvSpPr>
+          <p:cNvPr id="29" name="TextBox 28">
+            <a:extLst>
+              <a:ext uri="{FF2B5EF4-FFF2-40B4-BE49-F238E27FC236}">
+                <a16:creationId xmlns:a16="http://schemas.microsoft.com/office/drawing/2014/main" id="{C7B6C926-5F48-2F89-A18C-00FFC3CB2ADA}"/>
+              </a:ext>
+            </a:extLst>
+          </p:cNvPr>
+          <p:cNvSpPr txBox="1"/>
+          <p:nvPr/>
+        </p:nvSpPr>
+        <p:spPr>
+          <a:xfrm>
+            <a:off x="7744917" y="1792786"/>
+            <a:ext cx="441287" cy="261610"/>
+          </a:xfrm>
+          <a:prstGeom prst="rect">
+            <a:avLst/>
+          </a:prstGeom>
+          <a:noFill/>
+        </p:spPr>
+        <p:txBody>
+          <a:bodyPr wrap="square" rtlCol="0">
+            <a:spAutoFit/>
+          </a:bodyPr>
+          <a:lstStyle/>
+          <a:p>
+            <a:pPr algn="ctr"/>
+            <a:r>
+              <a:rPr lang="en-US" sz="1100" dirty="0">
+                <a:solidFill>
+                  <a:srgbClr val="C00000"/>
+                </a:solidFill>
+              </a:rPr>
+              <a:t>203</a:t>
+            </a:r>
+          </a:p>
+        </p:txBody>
+      </p:sp>
+      <p:sp>
+        <p:nvSpPr>
+          <p:cNvPr id="30" name="TextBox 29">
+            <a:extLst>
+              <a:ext uri="{FF2B5EF4-FFF2-40B4-BE49-F238E27FC236}">
+                <a16:creationId xmlns:a16="http://schemas.microsoft.com/office/drawing/2014/main" id="{4B3D5B23-33AD-D438-6960-01B86019B94C}"/>
+              </a:ext>
+            </a:extLst>
+          </p:cNvPr>
+          <p:cNvSpPr txBox="1"/>
+          <p:nvPr/>
+        </p:nvSpPr>
+        <p:spPr>
+          <a:xfrm>
+            <a:off x="8257082" y="903370"/>
+            <a:ext cx="441287" cy="261610"/>
+          </a:xfrm>
+          <a:prstGeom prst="rect">
+            <a:avLst/>
+          </a:prstGeom>
+          <a:noFill/>
+        </p:spPr>
+        <p:txBody>
+          <a:bodyPr wrap="square" rtlCol="0">
+            <a:spAutoFit/>
+          </a:bodyPr>
+          <a:lstStyle/>
+          <a:p>
+            <a:pPr algn="ctr"/>
+            <a:r>
+              <a:rPr lang="en-US" sz="1100" dirty="0">
+                <a:solidFill>
+                  <a:srgbClr val="C00000"/>
+                </a:solidFill>
+              </a:rPr>
+              <a:t>204</a:t>
+            </a:r>
+          </a:p>
+        </p:txBody>
+      </p:sp>
+      <p:sp>
+        <p:nvSpPr>
+          <p:cNvPr id="31" name="TextBox 30">
+            <a:extLst>
+              <a:ext uri="{FF2B5EF4-FFF2-40B4-BE49-F238E27FC236}">
+                <a16:creationId xmlns:a16="http://schemas.microsoft.com/office/drawing/2014/main" id="{F2FCB02C-42E7-3955-BA03-EF1E26724488}"/>
+              </a:ext>
+            </a:extLst>
+          </p:cNvPr>
+          <p:cNvSpPr txBox="1"/>
+          <p:nvPr/>
+        </p:nvSpPr>
+        <p:spPr>
+          <a:xfrm>
+            <a:off x="5737602" y="3918931"/>
+            <a:ext cx="441287" cy="261610"/>
+          </a:xfrm>
+          <a:prstGeom prst="rect">
+            <a:avLst/>
+          </a:prstGeom>
+          <a:noFill/>
+        </p:spPr>
+        <p:txBody>
+          <a:bodyPr wrap="square" rtlCol="0">
+            <a:spAutoFit/>
+          </a:bodyPr>
+          <a:lstStyle/>
+          <a:p>
+            <a:pPr algn="ctr"/>
+            <a:r>
+              <a:rPr lang="en-US" sz="1100" dirty="0">
+                <a:solidFill>
+                  <a:srgbClr val="C00000"/>
+                </a:solidFill>
+              </a:rPr>
+              <a:t>205</a:t>
+            </a:r>
+          </a:p>
+        </p:txBody>
+      </p:sp>
+      <p:sp>
+        <p:nvSpPr>
+          <p:cNvPr id="32" name="TextBox 31">
+            <a:extLst>
+              <a:ext uri="{FF2B5EF4-FFF2-40B4-BE49-F238E27FC236}">
+                <a16:creationId xmlns:a16="http://schemas.microsoft.com/office/drawing/2014/main" id="{8FCBD924-5DA3-847A-CB3A-99B131CEA599}"/>
+              </a:ext>
+            </a:extLst>
+          </p:cNvPr>
+          <p:cNvSpPr txBox="1"/>
+          <p:nvPr/>
+        </p:nvSpPr>
+        <p:spPr>
+          <a:xfrm>
+            <a:off x="6196857" y="3510004"/>
+            <a:ext cx="441287" cy="261610"/>
+          </a:xfrm>
+          <a:prstGeom prst="rect">
+            <a:avLst/>
+          </a:prstGeom>
+          <a:noFill/>
+        </p:spPr>
+        <p:txBody>
+          <a:bodyPr wrap="square" rtlCol="0">
+            <a:spAutoFit/>
+          </a:bodyPr>
+          <a:lstStyle/>
+          <a:p>
+            <a:pPr algn="ctr"/>
+            <a:r>
+              <a:rPr lang="en-US" sz="1100" dirty="0">
+                <a:solidFill>
+                  <a:srgbClr val="C00000"/>
+                </a:solidFill>
+              </a:rPr>
+              <a:t>206</a:t>
+            </a:r>
+          </a:p>
+        </p:txBody>
+      </p:sp>
+      <p:sp>
+        <p:nvSpPr>
+          <p:cNvPr id="33" name="TextBox 32">
+            <a:extLst>
+              <a:ext uri="{FF2B5EF4-FFF2-40B4-BE49-F238E27FC236}">
+                <a16:creationId xmlns:a16="http://schemas.microsoft.com/office/drawing/2014/main" id="{AAE7DF91-B99C-460B-6BE2-A8FA87AD7D58}"/>
+              </a:ext>
+            </a:extLst>
+          </p:cNvPr>
+          <p:cNvSpPr txBox="1"/>
+          <p:nvPr/>
+        </p:nvSpPr>
+        <p:spPr>
+          <a:xfrm>
+            <a:off x="7004868" y="2780569"/>
+            <a:ext cx="441287" cy="261610"/>
+          </a:xfrm>
+          <a:prstGeom prst="rect">
+            <a:avLst/>
+          </a:prstGeom>
+          <a:noFill/>
+        </p:spPr>
+        <p:txBody>
+          <a:bodyPr wrap="square" rtlCol="0">
+            <a:spAutoFit/>
+          </a:bodyPr>
+          <a:lstStyle/>
+          <a:p>
+            <a:pPr algn="ctr"/>
+            <a:r>
+              <a:rPr lang="en-US" sz="1100" dirty="0">
+                <a:solidFill>
+                  <a:srgbClr val="C00000"/>
+                </a:solidFill>
+              </a:rPr>
+              <a:t>207</a:t>
+            </a:r>
+          </a:p>
+        </p:txBody>
+      </p:sp>
+    </p:spTree>
+    <p:extLst>
+      <p:ext uri="{BB962C8B-B14F-4D97-AF65-F5344CB8AC3E}">
+        <p14:creationId xmlns:p14="http://schemas.microsoft.com/office/powerpoint/2010/main" val="1876512295"/>
       </p:ext>
     </p:extLst>
   </p:cSld>
